--- a/Final Project Presentation.pptx
+++ b/Final Project Presentation.pptx
@@ -18,6 +18,7 @@
     <p:sldId id="267" r:id="rId12"/>
     <p:sldId id="266" r:id="rId13"/>
     <p:sldId id="265" r:id="rId14"/>
+    <p:sldId id="270" r:id="rId15"/>
   </p:sldIdLst>
   <p:sldSz cx="12192000" cy="6858000"/>
   <p:notesSz cx="6858000" cy="9144000"/>
@@ -124,6 +125,14 @@
 </p:presentation>
 </file>
 
+<file path=ppt/revisionInfo.xml><?xml version="1.0" encoding="utf-8"?>
+<p1510:revInfo xmlns:a="http://schemas.openxmlformats.org/drawingml/2006/main" xmlns:r="http://schemas.openxmlformats.org/officeDocument/2006/relationships" xmlns:p1510="http://schemas.microsoft.com/office/powerpoint/2015/10/main">
+  <p1510:revLst>
+    <p1510:client id="{9C1CAEE6-CC25-4085-8CBE-21D5048E878D}" v="184" dt="2021-02-28T19:31:29.719"/>
+  </p1510:revLst>
+</p1510:revInfo>
+</file>
+
 <file path=ppt/slideLayouts/slideLayout1.xml><?xml version="1.0" encoding="utf-8"?>
 <p:sldLayout xmlns:a="http://schemas.openxmlformats.org/drawingml/2006/main" xmlns:r="http://schemas.openxmlformats.org/officeDocument/2006/relationships" xmlns:p="http://schemas.openxmlformats.org/presentationml/2006/main" showMasterSp="0" type="title" preserve="1">
   <p:cSld name="Title Slide">
@@ -527,7 +536,7 @@
           <a:p>
             <a:fld id="{4DE55AF4-1CAC-4E4C-89D1-2E38C3FF254F}" type="datetimeFigureOut">
               <a:rPr lang="en-US" smtClean="0"/>
-              <a:t>2/24/2021</a:t>
+              <a:t>2/28/2021</a:t>
             </a:fld>
             <a:endParaRPr lang="en-US"/>
           </a:p>
@@ -706,7 +715,7 @@
           <a:p>
             <a:fld id="{4DE55AF4-1CAC-4E4C-89D1-2E38C3FF254F}" type="datetimeFigureOut">
               <a:rPr lang="en-US" smtClean="0"/>
-              <a:t>2/24/2021</a:t>
+              <a:t>2/28/2021</a:t>
             </a:fld>
             <a:endParaRPr lang="en-US"/>
           </a:p>
@@ -886,7 +895,7 @@
           <a:p>
             <a:fld id="{4DE55AF4-1CAC-4E4C-89D1-2E38C3FF254F}" type="datetimeFigureOut">
               <a:rPr lang="en-US" smtClean="0"/>
-              <a:t>2/24/2021</a:t>
+              <a:t>2/28/2021</a:t>
             </a:fld>
             <a:endParaRPr lang="en-US"/>
           </a:p>
@@ -1056,7 +1065,7 @@
           <a:p>
             <a:fld id="{4DE55AF4-1CAC-4E4C-89D1-2E38C3FF254F}" type="datetimeFigureOut">
               <a:rPr lang="en-US" smtClean="0"/>
-              <a:t>2/24/2021</a:t>
+              <a:t>2/28/2021</a:t>
             </a:fld>
             <a:endParaRPr lang="en-US"/>
           </a:p>
@@ -1369,7 +1378,7 @@
           <a:p>
             <a:fld id="{4DE55AF4-1CAC-4E4C-89D1-2E38C3FF254F}" type="datetimeFigureOut">
               <a:rPr lang="en-US" smtClean="0"/>
-              <a:t>2/24/2021</a:t>
+              <a:t>2/28/2021</a:t>
             </a:fld>
             <a:endParaRPr lang="en-US"/>
           </a:p>
@@ -1755,7 +1764,7 @@
           <a:p>
             <a:fld id="{4DE55AF4-1CAC-4E4C-89D1-2E38C3FF254F}" type="datetimeFigureOut">
               <a:rPr lang="en-US" smtClean="0"/>
-              <a:t>2/24/2021</a:t>
+              <a:t>2/28/2021</a:t>
             </a:fld>
             <a:endParaRPr lang="en-US"/>
           </a:p>
@@ -2189,7 +2198,7 @@
           <a:p>
             <a:fld id="{4DE55AF4-1CAC-4E4C-89D1-2E38C3FF254F}" type="datetimeFigureOut">
               <a:rPr lang="en-US" smtClean="0"/>
-              <a:t>2/24/2021</a:t>
+              <a:t>2/28/2021</a:t>
             </a:fld>
             <a:endParaRPr lang="en-US"/>
           </a:p>
@@ -2307,7 +2316,7 @@
           <a:p>
             <a:fld id="{4DE55AF4-1CAC-4E4C-89D1-2E38C3FF254F}" type="datetimeFigureOut">
               <a:rPr lang="en-US" smtClean="0"/>
-              <a:t>2/24/2021</a:t>
+              <a:t>2/28/2021</a:t>
             </a:fld>
             <a:endParaRPr lang="en-US"/>
           </a:p>
@@ -2402,7 +2411,7 @@
           <a:p>
             <a:fld id="{4DE55AF4-1CAC-4E4C-89D1-2E38C3FF254F}" type="datetimeFigureOut">
               <a:rPr lang="en-US" smtClean="0"/>
-              <a:t>2/24/2021</a:t>
+              <a:t>2/28/2021</a:t>
             </a:fld>
             <a:endParaRPr lang="en-US"/>
           </a:p>
@@ -2752,7 +2761,7 @@
           <a:p>
             <a:fld id="{4DE55AF4-1CAC-4E4C-89D1-2E38C3FF254F}" type="datetimeFigureOut">
               <a:rPr lang="en-US" smtClean="0"/>
-              <a:t>2/24/2021</a:t>
+              <a:t>2/28/2021</a:t>
             </a:fld>
             <a:endParaRPr lang="en-US"/>
           </a:p>
@@ -3177,7 +3186,7 @@
           <a:p>
             <a:fld id="{4DE55AF4-1CAC-4E4C-89D1-2E38C3FF254F}" type="datetimeFigureOut">
               <a:rPr lang="en-US" smtClean="0"/>
-              <a:t>2/24/2021</a:t>
+              <a:t>2/28/2021</a:t>
             </a:fld>
             <a:endParaRPr lang="en-US"/>
           </a:p>
@@ -3458,7 +3467,7 @@
           <a:p>
             <a:fld id="{4DE55AF4-1CAC-4E4C-89D1-2E38C3FF254F}" type="datetimeFigureOut">
               <a:rPr lang="en-US" smtClean="0"/>
-              <a:t>2/24/2021</a:t>
+              <a:t>2/28/2021</a:t>
             </a:fld>
             <a:endParaRPr lang="en-US"/>
           </a:p>
@@ -8342,12 +8351,20 @@
               <a:buChar char="§"/>
             </a:pPr>
             <a:r>
+              <a:rPr lang="en-US" sz="1600">
+                <a:solidFill>
+                  <a:schemeClr val="tx1"/>
+                </a:solidFill>
+              </a:rPr>
+              <a:t>The selected model is 93.42% accuracy in used vehicle price </a:t>
+            </a:r>
+            <a:r>
               <a:rPr lang="en-US" sz="1600" dirty="0">
                 <a:solidFill>
                   <a:schemeClr val="tx1"/>
                 </a:solidFill>
               </a:rPr>
-              <a:t>The selected model is 90.61% accuracy in used vehicle price prediction on the test data.</a:t>
+              <a:t>prediction on the test data.</a:t>
             </a:r>
           </a:p>
           <a:p>
@@ -8697,6 +8714,700 @@
     <p:extLst>
       <p:ext uri="{BB962C8B-B14F-4D97-AF65-F5344CB8AC3E}">
         <p14:creationId xmlns:p14="http://schemas.microsoft.com/office/powerpoint/2010/main" val="2182095652"/>
+      </p:ext>
+    </p:extLst>
+  </p:cSld>
+  <p:clrMapOvr>
+    <a:masterClrMapping/>
+  </p:clrMapOvr>
+</p:sld>
+</file>
+
+<file path=ppt/slides/slide14.xml><?xml version="1.0" encoding="utf-8"?>
+<p:sld xmlns:a="http://schemas.openxmlformats.org/drawingml/2006/main" xmlns:r="http://schemas.openxmlformats.org/officeDocument/2006/relationships" xmlns:p="http://schemas.openxmlformats.org/presentationml/2006/main">
+  <p:cSld>
+    <p:bg>
+      <p:bgPr>
+        <a:solidFill>
+          <a:schemeClr val="bg1"/>
+        </a:solidFill>
+        <a:effectLst/>
+      </p:bgPr>
+    </p:bg>
+    <p:spTree>
+      <p:nvGrpSpPr>
+        <p:cNvPr id="1" name=""/>
+        <p:cNvGrpSpPr/>
+        <p:nvPr/>
+      </p:nvGrpSpPr>
+      <p:grpSpPr>
+        <a:xfrm>
+          <a:off x="0" y="0"/>
+          <a:ext cx="0" cy="0"/>
+          <a:chOff x="0" y="0"/>
+          <a:chExt cx="0" cy="0"/>
+        </a:xfrm>
+      </p:grpSpPr>
+      <p:grpSp>
+        <p:nvGrpSpPr>
+          <p:cNvPr id="8" name="Group 7">
+            <a:extLst>
+              <a:ext uri="{FF2B5EF4-FFF2-40B4-BE49-F238E27FC236}">
+                <a16:creationId xmlns:a16="http://schemas.microsoft.com/office/drawing/2014/main" id="{132FD491-28F3-42E7-AEBF-A9E3C462C92A}"/>
+              </a:ext>
+              <a:ext uri="{C183D7F6-B498-43B3-948B-1728B52AA6E4}">
+                <adec:decorative xmlns:adec="http://schemas.microsoft.com/office/drawing/2017/decorative" val="1"/>
+              </a:ext>
+            </a:extLst>
+          </p:cNvPr>
+          <p:cNvGrpSpPr>
+            <a:grpSpLocks noGrp="1" noUngrp="1" noRot="1" noChangeAspect="1" noMove="1" noResize="1"/>
+          </p:cNvGrpSpPr>
+          <p:nvPr>
+            <p:extLst>
+              <p:ext uri="{386F3935-93C4-4BCD-93E2-E3B085C9AB24}">
+                <p16:designElem xmlns:p16="http://schemas.microsoft.com/office/powerpoint/2015/main" val="1"/>
+              </p:ext>
+            </p:extLst>
+          </p:nvPr>
+        </p:nvGrpSpPr>
+        <p:grpSpPr>
+          <a:xfrm>
+            <a:off x="11401725" y="6229681"/>
+            <a:ext cx="457200" cy="457200"/>
+            <a:chOff x="11361456" y="6195813"/>
+            <a:chExt cx="548640" cy="548640"/>
+          </a:xfrm>
+        </p:grpSpPr>
+        <p:sp>
+          <p:nvSpPr>
+            <p:cNvPr id="9" name="Oval 8">
+              <a:extLst>
+                <a:ext uri="{FF2B5EF4-FFF2-40B4-BE49-F238E27FC236}">
+                  <a16:creationId xmlns:a16="http://schemas.microsoft.com/office/drawing/2014/main" id="{AD016B6E-F283-4CFB-9099-05C8DA6AB3FB}"/>
+                </a:ext>
+                <a:ext uri="{C183D7F6-B498-43B3-948B-1728B52AA6E4}">
+                  <adec:decorative xmlns:adec="http://schemas.microsoft.com/office/drawing/2017/decorative" val="1"/>
+                </a:ext>
+              </a:extLst>
+            </p:cNvPr>
+            <p:cNvSpPr/>
+            <p:nvPr>
+              <p:extLst>
+                <p:ext uri="{386F3935-93C4-4BCD-93E2-E3B085C9AB24}">
+                  <p16:designElem xmlns:p16="http://schemas.microsoft.com/office/powerpoint/2015/main" val="1"/>
+                </p:ext>
+              </p:extLst>
+            </p:nvPr>
+          </p:nvSpPr>
+          <p:spPr>
+            <a:xfrm>
+              <a:off x="11361456" y="6195813"/>
+              <a:ext cx="548640" cy="548640"/>
+            </a:xfrm>
+            <a:prstGeom prst="ellipse">
+              <a:avLst/>
+            </a:prstGeom>
+            <a:blipFill dpi="0" rotWithShape="1">
+              <a:blip r:embed="rId2">
+                <a:duotone>
+                  <a:schemeClr val="accent1">
+                    <a:shade val="45000"/>
+                    <a:satMod val="135000"/>
+                  </a:schemeClr>
+                  <a:prstClr val="white"/>
+                </a:duotone>
+                <a:extLst>
+                  <a:ext uri="{BEBA8EAE-BF5A-486C-A8C5-ECC9F3942E4B}">
+                    <a14:imgProps xmlns:a14="http://schemas.microsoft.com/office/drawing/2010/main">
+                      <a14:imgLayer r:embed="rId3">
+                        <a14:imgEffect>
+                          <a14:saturation sat="95000"/>
+                        </a14:imgEffect>
+                        <a14:imgEffect>
+                          <a14:brightnessContrast bright="-40000" contrast="20000"/>
+                        </a14:imgEffect>
+                      </a14:imgLayer>
+                    </a14:imgProps>
+                  </a:ext>
+                </a:extLst>
+              </a:blip>
+              <a:srcRect/>
+              <a:tile tx="50800" ty="0" sx="85000" sy="85000" flip="none" algn="tl"/>
+            </a:blipFill>
+            <a:ln w="25400" cap="flat" cmpd="sng" algn="ctr">
+              <a:noFill/>
+              <a:prstDash val="solid"/>
+            </a:ln>
+            <a:effectLst/>
+          </p:spPr>
+        </p:sp>
+        <p:sp>
+          <p:nvSpPr>
+            <p:cNvPr id="28" name="Oval 9">
+              <a:extLst>
+                <a:ext uri="{FF2B5EF4-FFF2-40B4-BE49-F238E27FC236}">
+                  <a16:creationId xmlns:a16="http://schemas.microsoft.com/office/drawing/2014/main" id="{72D0360E-345F-4790-B0A0-03ADC36B5E45}"/>
+                </a:ext>
+                <a:ext uri="{C183D7F6-B498-43B3-948B-1728B52AA6E4}">
+                  <adec:decorative xmlns:adec="http://schemas.microsoft.com/office/drawing/2017/decorative" val="1"/>
+                </a:ext>
+              </a:extLst>
+            </p:cNvPr>
+            <p:cNvSpPr/>
+            <p:nvPr>
+              <p:extLst>
+                <p:ext uri="{386F3935-93C4-4BCD-93E2-E3B085C9AB24}">
+                  <p16:designElem xmlns:p16="http://schemas.microsoft.com/office/powerpoint/2015/main" val="1"/>
+                </p:ext>
+              </p:extLst>
+            </p:nvPr>
+          </p:nvSpPr>
+          <p:spPr>
+            <a:xfrm>
+              <a:off x="11396488" y="6230844"/>
+              <a:ext cx="478576" cy="478578"/>
+            </a:xfrm>
+            <a:prstGeom prst="ellipse">
+              <a:avLst/>
+            </a:prstGeom>
+            <a:noFill/>
+            <a:ln w="12700" cap="flat" cmpd="sng" algn="ctr">
+              <a:solidFill>
+                <a:srgbClr val="FFFFFF"/>
+              </a:solidFill>
+              <a:prstDash val="solid"/>
+            </a:ln>
+            <a:effectLst/>
+          </p:spPr>
+        </p:sp>
+      </p:grpSp>
+      <p:sp useBgFill="1">
+        <p:nvSpPr>
+          <p:cNvPr id="12" name="Rectangle 11">
+            <a:extLst>
+              <a:ext uri="{FF2B5EF4-FFF2-40B4-BE49-F238E27FC236}">
+                <a16:creationId xmlns:a16="http://schemas.microsoft.com/office/drawing/2014/main" id="{E009DD9B-5EE2-4C0D-8B2B-351C8C102205}"/>
+              </a:ext>
+              <a:ext uri="{C183D7F6-B498-43B3-948B-1728B52AA6E4}">
+                <adec:decorative xmlns:adec="http://schemas.microsoft.com/office/drawing/2017/decorative" val="1"/>
+              </a:ext>
+            </a:extLst>
+          </p:cNvPr>
+          <p:cNvSpPr>
+            <a:spLocks noGrp="1" noRot="1" noChangeAspect="1" noMove="1" noResize="1" noEditPoints="1" noAdjustHandles="1" noChangeArrowheads="1" noChangeShapeType="1" noTextEdit="1"/>
+          </p:cNvSpPr>
+          <p:nvPr>
+            <p:extLst>
+              <p:ext uri="{386F3935-93C4-4BCD-93E2-E3B085C9AB24}">
+                <p16:designElem xmlns:p16="http://schemas.microsoft.com/office/powerpoint/2015/main" val="1"/>
+              </p:ext>
+            </p:extLst>
+          </p:nvPr>
+        </p:nvSpPr>
+        <p:spPr>
+          <a:xfrm>
+            <a:off x="0" y="0"/>
+            <a:ext cx="12192000" cy="6858000"/>
+          </a:xfrm>
+          <a:prstGeom prst="rect">
+            <a:avLst/>
+          </a:prstGeom>
+          <a:ln>
+            <a:noFill/>
+          </a:ln>
+        </p:spPr>
+        <p:style>
+          <a:lnRef idx="2">
+            <a:schemeClr val="accent1">
+              <a:shade val="50000"/>
+            </a:schemeClr>
+          </a:lnRef>
+          <a:fillRef idx="1">
+            <a:schemeClr val="accent1"/>
+          </a:fillRef>
+          <a:effectRef idx="0">
+            <a:schemeClr val="accent1"/>
+          </a:effectRef>
+          <a:fontRef idx="minor">
+            <a:schemeClr val="lt1"/>
+          </a:fontRef>
+        </p:style>
+        <p:txBody>
+          <a:bodyPr rtlCol="0" anchor="ctr"/>
+          <a:lstStyle/>
+          <a:p>
+            <a:pPr algn="ctr"/>
+            <a:endParaRPr lang="en-US"/>
+          </a:p>
+        </p:txBody>
+      </p:sp>
+      <p:sp>
+        <p:nvSpPr>
+          <p:cNvPr id="14" name="Rectangle 13">
+            <a:extLst>
+              <a:ext uri="{FF2B5EF4-FFF2-40B4-BE49-F238E27FC236}">
+                <a16:creationId xmlns:a16="http://schemas.microsoft.com/office/drawing/2014/main" id="{E720DB99-7745-4E75-9D96-AAB6D55C531E}"/>
+              </a:ext>
+              <a:ext uri="{C183D7F6-B498-43B3-948B-1728B52AA6E4}">
+                <adec:decorative xmlns:adec="http://schemas.microsoft.com/office/drawing/2017/decorative" val="1"/>
+              </a:ext>
+            </a:extLst>
+          </p:cNvPr>
+          <p:cNvSpPr>
+            <a:spLocks noGrp="1" noRot="1" noChangeAspect="1" noMove="1" noResize="1" noEditPoints="1" noAdjustHandles="1" noChangeArrowheads="1" noChangeShapeType="1" noTextEdit="1"/>
+          </p:cNvSpPr>
+          <p:nvPr>
+            <p:extLst>
+              <p:ext uri="{386F3935-93C4-4BCD-93E2-E3B085C9AB24}">
+                <p16:designElem xmlns:p16="http://schemas.microsoft.com/office/powerpoint/2015/main" val="1"/>
+              </p:ext>
+            </p:extLst>
+          </p:nvPr>
+        </p:nvSpPr>
+        <p:spPr>
+          <a:xfrm>
+            <a:off x="984504" y="464119"/>
+            <a:ext cx="10222992" cy="80683"/>
+          </a:xfrm>
+          <a:prstGeom prst="rect">
+            <a:avLst/>
+          </a:prstGeom>
+          <a:blipFill dpi="0" rotWithShape="1">
+            <a:blip r:embed="rId4">
+              <a:alphaModFix amt="85000"/>
+              <a:lum bright="70000" contrast="-70000"/>
+              <a:extLst>
+                <a:ext uri="{BEBA8EAE-BF5A-486C-A8C5-ECC9F3942E4B}">
+                  <a14:imgProps xmlns:a14="http://schemas.microsoft.com/office/drawing/2010/main">
+                    <a14:imgLayer r:embed="rId5">
+                      <a14:imgEffect>
+                        <a14:sharpenSoften amount="61000"/>
+                      </a14:imgEffect>
+                    </a14:imgLayer>
+                  </a14:imgProps>
+                </a:ext>
+                <a:ext uri="{28A0092B-C50C-407E-A947-70E740481C1C}">
+                  <a14:useLocalDpi xmlns:a14="http://schemas.microsoft.com/office/drawing/2010/main" val="0"/>
+                </a:ext>
+              </a:extLst>
+            </a:blip>
+            <a:srcRect/>
+            <a:tile tx="0" ty="-762000" sx="92000" sy="89000" flip="xy" algn="ctr"/>
+          </a:blipFill>
+          <a:ln>
+            <a:noFill/>
+          </a:ln>
+        </p:spPr>
+        <p:style>
+          <a:lnRef idx="2">
+            <a:schemeClr val="accent1">
+              <a:shade val="50000"/>
+            </a:schemeClr>
+          </a:lnRef>
+          <a:fillRef idx="1">
+            <a:schemeClr val="accent1"/>
+          </a:fillRef>
+          <a:effectRef idx="0">
+            <a:schemeClr val="accent1"/>
+          </a:effectRef>
+          <a:fontRef idx="minor">
+            <a:schemeClr val="lt1"/>
+          </a:fontRef>
+        </p:style>
+      </p:sp>
+      <p:sp>
+        <p:nvSpPr>
+          <p:cNvPr id="16" name="Rectangle 15">
+            <a:extLst>
+              <a:ext uri="{FF2B5EF4-FFF2-40B4-BE49-F238E27FC236}">
+                <a16:creationId xmlns:a16="http://schemas.microsoft.com/office/drawing/2014/main" id="{D68803C4-E159-4360-B7BB-74205C8F782D}"/>
+              </a:ext>
+              <a:ext uri="{C183D7F6-B498-43B3-948B-1728B52AA6E4}">
+                <adec:decorative xmlns:adec="http://schemas.microsoft.com/office/drawing/2017/decorative" val="1"/>
+              </a:ext>
+            </a:extLst>
+          </p:cNvPr>
+          <p:cNvSpPr>
+            <a:spLocks noGrp="1" noRot="1" noChangeAspect="1" noMove="1" noResize="1" noEditPoints="1" noAdjustHandles="1" noChangeArrowheads="1" noChangeShapeType="1" noTextEdit="1"/>
+          </p:cNvSpPr>
+          <p:nvPr>
+            <p:extLst>
+              <p:ext uri="{386F3935-93C4-4BCD-93E2-E3B085C9AB24}">
+                <p16:designElem xmlns:p16="http://schemas.microsoft.com/office/powerpoint/2015/main" val="1"/>
+              </p:ext>
+            </p:extLst>
+          </p:nvPr>
+        </p:nvSpPr>
+        <p:spPr>
+          <a:xfrm>
+            <a:off x="984504" y="601952"/>
+            <a:ext cx="10222992" cy="1385874"/>
+          </a:xfrm>
+          <a:prstGeom prst="rect">
+            <a:avLst/>
+          </a:prstGeom>
+          <a:blipFill dpi="0" rotWithShape="1">
+            <a:blip r:embed="rId4">
+              <a:alphaModFix amt="85000"/>
+              <a:lum bright="70000" contrast="-70000"/>
+              <a:extLst>
+                <a:ext uri="{BEBA8EAE-BF5A-486C-A8C5-ECC9F3942E4B}">
+                  <a14:imgProps xmlns:a14="http://schemas.microsoft.com/office/drawing/2010/main">
+                    <a14:imgLayer r:embed="rId5">
+                      <a14:imgEffect>
+                        <a14:sharpenSoften amount="61000"/>
+                      </a14:imgEffect>
+                    </a14:imgLayer>
+                  </a14:imgProps>
+                </a:ext>
+                <a:ext uri="{28A0092B-C50C-407E-A947-70E740481C1C}">
+                  <a14:useLocalDpi xmlns:a14="http://schemas.microsoft.com/office/drawing/2010/main" val="0"/>
+                </a:ext>
+              </a:extLst>
+            </a:blip>
+            <a:srcRect/>
+            <a:tile tx="0" ty="-704850" sx="92000" sy="89000" flip="xy" algn="ctr"/>
+          </a:blipFill>
+          <a:ln>
+            <a:noFill/>
+          </a:ln>
+        </p:spPr>
+        <p:style>
+          <a:lnRef idx="2">
+            <a:schemeClr val="accent1">
+              <a:shade val="50000"/>
+            </a:schemeClr>
+          </a:lnRef>
+          <a:fillRef idx="1">
+            <a:schemeClr val="accent1"/>
+          </a:fillRef>
+          <a:effectRef idx="0">
+            <a:schemeClr val="accent1"/>
+          </a:effectRef>
+          <a:fontRef idx="minor">
+            <a:schemeClr val="lt1"/>
+          </a:fontRef>
+        </p:style>
+      </p:sp>
+      <p:sp>
+        <p:nvSpPr>
+          <p:cNvPr id="18" name="Rectangle 17">
+            <a:extLst>
+              <a:ext uri="{FF2B5EF4-FFF2-40B4-BE49-F238E27FC236}">
+                <a16:creationId xmlns:a16="http://schemas.microsoft.com/office/drawing/2014/main" id="{504B0465-3B07-49BF-BEA7-D81476246293}"/>
+              </a:ext>
+              <a:ext uri="{C183D7F6-B498-43B3-948B-1728B52AA6E4}">
+                <adec:decorative xmlns:adec="http://schemas.microsoft.com/office/drawing/2017/decorative" val="1"/>
+              </a:ext>
+            </a:extLst>
+          </p:cNvPr>
+          <p:cNvSpPr>
+            <a:spLocks noGrp="1" noRot="1" noChangeAspect="1" noMove="1" noResize="1" noEditPoints="1" noAdjustHandles="1" noChangeArrowheads="1" noChangeShapeType="1" noTextEdit="1"/>
+          </p:cNvSpPr>
+          <p:nvPr>
+            <p:extLst>
+              <p:ext uri="{386F3935-93C4-4BCD-93E2-E3B085C9AB24}">
+                <p16:designElem xmlns:p16="http://schemas.microsoft.com/office/powerpoint/2015/main" val="1"/>
+              </p:ext>
+            </p:extLst>
+          </p:nvPr>
+        </p:nvSpPr>
+        <p:spPr>
+          <a:xfrm>
+            <a:off x="984504" y="2038655"/>
+            <a:ext cx="10222992" cy="80683"/>
+          </a:xfrm>
+          <a:prstGeom prst="rect">
+            <a:avLst/>
+          </a:prstGeom>
+          <a:blipFill dpi="0" rotWithShape="1">
+            <a:blip r:embed="rId4">
+              <a:alphaModFix amt="85000"/>
+              <a:lum bright="70000" contrast="-70000"/>
+              <a:extLst>
+                <a:ext uri="{BEBA8EAE-BF5A-486C-A8C5-ECC9F3942E4B}">
+                  <a14:imgProps xmlns:a14="http://schemas.microsoft.com/office/drawing/2010/main">
+                    <a14:imgLayer r:embed="rId5">
+                      <a14:imgEffect>
+                        <a14:sharpenSoften amount="61000"/>
+                      </a14:imgEffect>
+                    </a14:imgLayer>
+                  </a14:imgProps>
+                </a:ext>
+                <a:ext uri="{28A0092B-C50C-407E-A947-70E740481C1C}">
+                  <a14:useLocalDpi xmlns:a14="http://schemas.microsoft.com/office/drawing/2010/main" val="0"/>
+                </a:ext>
+              </a:extLst>
+            </a:blip>
+            <a:srcRect/>
+            <a:tile tx="0" ty="-717550" sx="92000" sy="89000" flip="xy" algn="ctr"/>
+          </a:blipFill>
+          <a:ln>
+            <a:noFill/>
+          </a:ln>
+        </p:spPr>
+        <p:style>
+          <a:lnRef idx="2">
+            <a:schemeClr val="accent1">
+              <a:shade val="50000"/>
+            </a:schemeClr>
+          </a:lnRef>
+          <a:fillRef idx="1">
+            <a:schemeClr val="accent1"/>
+          </a:fillRef>
+          <a:effectRef idx="0">
+            <a:schemeClr val="accent1"/>
+          </a:effectRef>
+          <a:fontRef idx="minor">
+            <a:schemeClr val="lt1"/>
+          </a:fontRef>
+        </p:style>
+      </p:sp>
+      <p:sp>
+        <p:nvSpPr>
+          <p:cNvPr id="2" name="TextBox 1">
+            <a:extLst>
+              <a:ext uri="{FF2B5EF4-FFF2-40B4-BE49-F238E27FC236}">
+                <a16:creationId xmlns:a16="http://schemas.microsoft.com/office/drawing/2014/main" id="{98D5ABCF-E034-42A4-907F-897C57A5D3E6}"/>
+              </a:ext>
+            </a:extLst>
+          </p:cNvPr>
+          <p:cNvSpPr txBox="1"/>
+          <p:nvPr/>
+        </p:nvSpPr>
+        <p:spPr>
+          <a:xfrm>
+            <a:off x="1477436" y="544802"/>
+            <a:ext cx="9237127" cy="1609344"/>
+          </a:xfrm>
+          <a:prstGeom prst="rect">
+            <a:avLst/>
+          </a:prstGeom>
+        </p:spPr>
+        <p:txBody>
+          <a:bodyPr vert="horz" lIns="91440" tIns="45720" rIns="91440" bIns="45720" rtlCol="0" anchor="ctr">
+            <a:normAutofit/>
+          </a:bodyPr>
+          <a:lstStyle/>
+          <a:p>
+            <a:pPr algn="ctr" defTabSz="914400">
+              <a:lnSpc>
+                <a:spcPct val="90000"/>
+              </a:lnSpc>
+              <a:spcBef>
+                <a:spcPct val="0"/>
+              </a:spcBef>
+              <a:spcAft>
+                <a:spcPts val="600"/>
+              </a:spcAft>
+            </a:pPr>
+            <a:r>
+              <a:rPr lang="en-US" sz="5400" cap="all">
+                <a:blipFill>
+                  <a:blip r:embed="rId6">
+                    <a:extLst>
+                      <a:ext uri="{28A0092B-C50C-407E-A947-70E740481C1C}">
+                        <a14:useLocalDpi xmlns:a14="http://schemas.microsoft.com/office/drawing/2010/main" val="0"/>
+                      </a:ext>
+                    </a:extLst>
+                  </a:blip>
+                  <a:tile tx="6350" ty="-127000" sx="65000" sy="64000" flip="none" algn="tl"/>
+                </a:blipFill>
+                <a:latin typeface="+mj-lt"/>
+                <a:ea typeface="+mj-ea"/>
+                <a:cs typeface="+mj-cs"/>
+              </a:rPr>
+              <a:t>Thank You !</a:t>
+            </a:r>
+            <a:endParaRPr lang="en-US" sz="5400" cap="all" dirty="0">
+              <a:blipFill>
+                <a:blip r:embed="rId6">
+                  <a:extLst>
+                    <a:ext uri="{28A0092B-C50C-407E-A947-70E740481C1C}">
+                      <a14:useLocalDpi xmlns:a14="http://schemas.microsoft.com/office/drawing/2010/main" val="0"/>
+                    </a:ext>
+                  </a:extLst>
+                </a:blip>
+                <a:tile tx="6350" ty="-127000" sx="65000" sy="64000" flip="none" algn="tl"/>
+              </a:blipFill>
+              <a:latin typeface="+mj-lt"/>
+              <a:ea typeface="+mj-ea"/>
+              <a:cs typeface="+mj-cs"/>
+            </a:endParaRPr>
+          </a:p>
+        </p:txBody>
+      </p:sp>
+      <p:sp>
+        <p:nvSpPr>
+          <p:cNvPr id="29" name="Oval 19">
+            <a:extLst>
+              <a:ext uri="{FF2B5EF4-FFF2-40B4-BE49-F238E27FC236}">
+                <a16:creationId xmlns:a16="http://schemas.microsoft.com/office/drawing/2014/main" id="{49B7FFA5-14CB-4A4F-9BCC-CA3AA5D9D276}"/>
+              </a:ext>
+              <a:ext uri="{C183D7F6-B498-43B3-948B-1728B52AA6E4}">
+                <adec:decorative xmlns:adec="http://schemas.microsoft.com/office/drawing/2017/decorative" val="1"/>
+              </a:ext>
+            </a:extLst>
+          </p:cNvPr>
+          <p:cNvSpPr>
+            <a:spLocks noGrp="1" noRot="1" noChangeAspect="1" noMove="1" noResize="1" noEditPoints="1" noAdjustHandles="1" noChangeArrowheads="1" noChangeShapeType="1" noTextEdit="1"/>
+          </p:cNvSpPr>
+          <p:nvPr>
+            <p:extLst>
+              <p:ext uri="{386F3935-93C4-4BCD-93E2-E3B085C9AB24}">
+                <p16:designElem xmlns:p16="http://schemas.microsoft.com/office/powerpoint/2015/main" val="1"/>
+              </p:ext>
+            </p:extLst>
+          </p:nvPr>
+        </p:nvSpPr>
+        <p:spPr>
+          <a:xfrm>
+            <a:off x="11401725" y="6229681"/>
+            <a:ext cx="457200" cy="457200"/>
+          </a:xfrm>
+          <a:prstGeom prst="ellipse">
+            <a:avLst/>
+          </a:prstGeom>
+          <a:blipFill dpi="0" rotWithShape="1">
+            <a:blip r:embed="rId2">
+              <a:duotone>
+                <a:schemeClr val="accent1">
+                  <a:shade val="45000"/>
+                  <a:satMod val="135000"/>
+                </a:schemeClr>
+                <a:prstClr val="white"/>
+              </a:duotone>
+            </a:blip>
+            <a:srcRect/>
+            <a:tile tx="50800" ty="0" sx="85000" sy="85000" flip="none" algn="tl"/>
+          </a:blipFill>
+          <a:ln w="25400" cap="flat" cmpd="sng" algn="ctr">
+            <a:noFill/>
+            <a:prstDash val="solid"/>
+          </a:ln>
+          <a:effectLst/>
+        </p:spPr>
+        <p:txBody>
+          <a:bodyPr lIns="0" tIns="0" rIns="0" bIns="0" rtlCol="0" anchor="ctr"/>
+          <a:lstStyle/>
+          <a:p>
+            <a:pPr marL="0" marR="0" lvl="0" indent="0" algn="ctr" defTabSz="914400" eaLnBrk="1" fontAlgn="auto" latinLnBrk="0" hangingPunct="1">
+              <a:lnSpc>
+                <a:spcPct val="100000"/>
+              </a:lnSpc>
+              <a:spcBef>
+                <a:spcPts val="0"/>
+              </a:spcBef>
+              <a:spcAft>
+                <a:spcPts val="0"/>
+              </a:spcAft>
+              <a:buClrTx/>
+              <a:buSzTx/>
+              <a:buFontTx/>
+              <a:buNone/>
+              <a:tabLst/>
+              <a:defRPr/>
+            </a:pPr>
+            <a:endParaRPr kumimoji="0" lang="en-US" sz="2000" b="0" i="0" u="none" strike="noStrike" kern="0" cap="none" spc="0" normalizeH="0" baseline="0" noProof="0" dirty="0">
+              <a:ln>
+                <a:noFill/>
+              </a:ln>
+              <a:solidFill>
+                <a:prstClr val="white"/>
+              </a:solidFill>
+              <a:effectLst/>
+              <a:uLnTx/>
+              <a:uFillTx/>
+              <a:latin typeface="Rockwell Extra Bold" pitchFamily="18" charset="0"/>
+              <a:ea typeface="+mn-ea"/>
+              <a:cs typeface="+mn-cs"/>
+            </a:endParaRPr>
+          </a:p>
+        </p:txBody>
+      </p:sp>
+      <p:sp>
+        <p:nvSpPr>
+          <p:cNvPr id="30" name="Oval 21">
+            <a:extLst>
+              <a:ext uri="{FF2B5EF4-FFF2-40B4-BE49-F238E27FC236}">
+                <a16:creationId xmlns:a16="http://schemas.microsoft.com/office/drawing/2014/main" id="{04E48745-7512-4EC2-9E20-9092D12150CA}"/>
+              </a:ext>
+              <a:ext uri="{C183D7F6-B498-43B3-948B-1728B52AA6E4}">
+                <adec:decorative xmlns:adec="http://schemas.microsoft.com/office/drawing/2017/decorative" val="1"/>
+              </a:ext>
+            </a:extLst>
+          </p:cNvPr>
+          <p:cNvSpPr>
+            <a:spLocks noGrp="1" noRot="1" noChangeAspect="1" noMove="1" noResize="1" noEditPoints="1" noAdjustHandles="1" noChangeArrowheads="1" noChangeShapeType="1" noTextEdit="1"/>
+          </p:cNvSpPr>
+          <p:nvPr>
+            <p:extLst>
+              <p:ext uri="{386F3935-93C4-4BCD-93E2-E3B085C9AB24}">
+                <p16:designElem xmlns:p16="http://schemas.microsoft.com/office/powerpoint/2015/main" val="1"/>
+              </p:ext>
+            </p:extLst>
+          </p:nvPr>
+        </p:nvSpPr>
+        <p:spPr>
+          <a:xfrm>
+            <a:off x="11430918" y="6258874"/>
+            <a:ext cx="398813" cy="398815"/>
+          </a:xfrm>
+          <a:prstGeom prst="ellipse">
+            <a:avLst/>
+          </a:prstGeom>
+          <a:noFill/>
+          <a:ln w="12700" cap="flat" cmpd="sng" algn="ctr">
+            <a:solidFill>
+              <a:srgbClr val="FFFFFF"/>
+            </a:solidFill>
+            <a:prstDash val="solid"/>
+          </a:ln>
+          <a:effectLst/>
+        </p:spPr>
+        <p:txBody>
+          <a:bodyPr rtlCol="0" anchor="ctr"/>
+          <a:lstStyle/>
+          <a:p>
+            <a:pPr marL="0" marR="0" lvl="0" indent="0" algn="ctr" defTabSz="914400" eaLnBrk="1" fontAlgn="auto" latinLnBrk="0" hangingPunct="1">
+              <a:lnSpc>
+                <a:spcPct val="100000"/>
+              </a:lnSpc>
+              <a:spcBef>
+                <a:spcPts val="0"/>
+              </a:spcBef>
+              <a:spcAft>
+                <a:spcPts val="0"/>
+              </a:spcAft>
+              <a:buClrTx/>
+              <a:buSzTx/>
+              <a:buFontTx/>
+              <a:buNone/>
+              <a:tabLst/>
+              <a:defRPr/>
+            </a:pPr>
+            <a:endParaRPr kumimoji="0" lang="en-US" sz="1800" b="0" i="0" u="none" strike="noStrike" kern="0" cap="none" spc="0" normalizeH="0" baseline="0" noProof="0" dirty="0">
+              <a:ln>
+                <a:noFill/>
+              </a:ln>
+              <a:solidFill>
+                <a:prstClr val="white"/>
+              </a:solidFill>
+              <a:effectLst/>
+              <a:uLnTx/>
+              <a:uFillTx/>
+              <a:latin typeface="Calibri"/>
+              <a:ea typeface="+mn-ea"/>
+              <a:cs typeface="+mn-cs"/>
+            </a:endParaRPr>
+          </a:p>
+        </p:txBody>
+      </p:sp>
+    </p:spTree>
+    <p:extLst>
+      <p:ext uri="{BB962C8B-B14F-4D97-AF65-F5344CB8AC3E}">
+        <p14:creationId xmlns:p14="http://schemas.microsoft.com/office/powerpoint/2010/main" val="2398086218"/>
       </p:ext>
     </p:extLst>
   </p:cSld>
@@ -11255,35 +11966,6 @@
           </a:p>
         </p:txBody>
       </p:sp>
-      <p:pic>
-        <p:nvPicPr>
-          <p:cNvPr id="4" name="Picture 3" descr="Map&#10;&#10;Description automatically generated">
-            <a:extLst>
-              <a:ext uri="{FF2B5EF4-FFF2-40B4-BE49-F238E27FC236}">
-                <a16:creationId xmlns:a16="http://schemas.microsoft.com/office/drawing/2014/main" id="{8DB9461A-2A9F-4089-B09C-8971EA0328E8}"/>
-              </a:ext>
-            </a:extLst>
-          </p:cNvPr>
-          <p:cNvPicPr>
-            <a:picLocks noChangeAspect="1"/>
-          </p:cNvPicPr>
-          <p:nvPr/>
-        </p:nvPicPr>
-        <p:blipFill rotWithShape="1">
-          <a:blip r:embed="rId7"/>
-          <a:srcRect l="10014" r="1985" b="-1"/>
-          <a:stretch/>
-        </p:blipFill>
-        <p:spPr>
-          <a:xfrm>
-            <a:off x="3275045" y="209559"/>
-            <a:ext cx="6191274" cy="3533482"/>
-          </a:xfrm>
-          <a:prstGeom prst="rect">
-            <a:avLst/>
-          </a:prstGeom>
-        </p:spPr>
-      </p:pic>
       <p:sp>
         <p:nvSpPr>
           <p:cNvPr id="5" name="Rectangle: Rounded Corners 4">
@@ -11462,6 +12144,36 @@
           </a:p>
         </p:txBody>
       </p:sp>
+      <p:pic>
+        <p:nvPicPr>
+          <p:cNvPr id="3" name="Picture 5" descr="Map&#10;&#10;Description automatically generated">
+            <a:extLst>
+              <a:ext uri="{FF2B5EF4-FFF2-40B4-BE49-F238E27FC236}">
+                <a16:creationId xmlns:a16="http://schemas.microsoft.com/office/drawing/2014/main" id="{D0132C7E-6266-447C-9822-B7C678014850}"/>
+              </a:ext>
+            </a:extLst>
+          </p:cNvPr>
+          <p:cNvPicPr>
+            <a:picLocks noChangeAspect="1"/>
+          </p:cNvPicPr>
+          <p:nvPr/>
+        </p:nvPicPr>
+        <p:blipFill>
+          <a:blip r:embed="rId7"/>
+          <a:stretch>
+            <a:fillRect/>
+          </a:stretch>
+        </p:blipFill>
+        <p:spPr>
+          <a:xfrm>
+            <a:off x="1923537" y="87774"/>
+            <a:ext cx="8190469" cy="3799209"/>
+          </a:xfrm>
+          <a:prstGeom prst="rect">
+            <a:avLst/>
+          </a:prstGeom>
+        </p:spPr>
+      </p:pic>
     </p:spTree>
     <p:extLst>
       <p:ext uri="{BB962C8B-B14F-4D97-AF65-F5344CB8AC3E}">
@@ -13672,36 +14384,6 @@
           </a:p>
         </p:txBody>
       </p:sp>
-      <p:pic>
-        <p:nvPicPr>
-          <p:cNvPr id="4" name="Picture 3">
-            <a:extLst>
-              <a:ext uri="{FF2B5EF4-FFF2-40B4-BE49-F238E27FC236}">
-                <a16:creationId xmlns:a16="http://schemas.microsoft.com/office/drawing/2014/main" id="{3BBC3ED9-7E92-4A56-9A80-97BC14445B98}"/>
-              </a:ext>
-            </a:extLst>
-          </p:cNvPr>
-          <p:cNvPicPr>
-            <a:picLocks noChangeAspect="1"/>
-          </p:cNvPicPr>
-          <p:nvPr/>
-        </p:nvPicPr>
-        <p:blipFill>
-          <a:blip r:embed="rId4"/>
-          <a:stretch>
-            <a:fillRect/>
-          </a:stretch>
-        </p:blipFill>
-        <p:spPr>
-          <a:xfrm>
-            <a:off x="130260" y="192984"/>
-            <a:ext cx="6957898" cy="3513739"/>
-          </a:xfrm>
-          <a:prstGeom prst="rect">
-            <a:avLst/>
-          </a:prstGeom>
-        </p:spPr>
-      </p:pic>
       <p:sp>
         <p:nvSpPr>
           <p:cNvPr id="17" name="Rectangle 16">
@@ -13734,13 +14416,13 @@
             <a:avLst/>
           </a:prstGeom>
           <a:blipFill dpi="0" rotWithShape="1">
-            <a:blip r:embed="rId5">
+            <a:blip r:embed="rId4">
               <a:alphaModFix amt="85000"/>
               <a:lum bright="70000" contrast="-70000"/>
               <a:extLst>
                 <a:ext uri="{BEBA8EAE-BF5A-486C-A8C5-ECC9F3942E4B}">
                   <a14:imgProps xmlns:a14="http://schemas.microsoft.com/office/drawing/2010/main">
-                    <a14:imgLayer r:embed="rId6">
+                    <a14:imgLayer r:embed="rId5">
                       <a14:imgEffect>
                         <a14:sharpenSoften amount="61000"/>
                       </a14:imgEffect>
@@ -13808,13 +14490,13 @@
             <a:avLst/>
           </a:prstGeom>
           <a:blipFill dpi="0" rotWithShape="1">
-            <a:blip r:embed="rId5">
+            <a:blip r:embed="rId4">
               <a:alphaModFix amt="95000"/>
               <a:lum bright="70000" contrast="-70000"/>
               <a:extLst>
                 <a:ext uri="{BEBA8EAE-BF5A-486C-A8C5-ECC9F3942E4B}">
                   <a14:imgProps xmlns:a14="http://schemas.microsoft.com/office/drawing/2010/main">
-                    <a14:imgLayer r:embed="rId6">
+                    <a14:imgLayer r:embed="rId5">
                       <a14:imgEffect>
                         <a14:sharpenSoften amount="61000"/>
                       </a14:imgEffect>
@@ -13891,7 +14573,7 @@
             <a:r>
               <a:rPr lang="en-US" sz="3800" cap="all" dirty="0">
                 <a:blipFill>
-                  <a:blip r:embed="rId7">
+                  <a:blip r:embed="rId6">
                     <a:extLst>
                       <a:ext uri="{28A0092B-C50C-407E-A947-70E740481C1C}">
                         <a14:useLocalDpi xmlns:a14="http://schemas.microsoft.com/office/drawing/2010/main" val="0"/>
@@ -13909,36 +14591,6 @@
           </a:p>
         </p:txBody>
       </p:sp>
-      <p:pic>
-        <p:nvPicPr>
-          <p:cNvPr id="5" name="Picture 4">
-            <a:extLst>
-              <a:ext uri="{FF2B5EF4-FFF2-40B4-BE49-F238E27FC236}">
-                <a16:creationId xmlns:a16="http://schemas.microsoft.com/office/drawing/2014/main" id="{F8D3E6BA-DB18-484F-B769-BD28E46146F1}"/>
-              </a:ext>
-            </a:extLst>
-          </p:cNvPr>
-          <p:cNvPicPr>
-            <a:picLocks noChangeAspect="1"/>
-          </p:cNvPicPr>
-          <p:nvPr/>
-        </p:nvPicPr>
-        <p:blipFill>
-          <a:blip r:embed="rId8"/>
-          <a:stretch>
-            <a:fillRect/>
-          </a:stretch>
-        </p:blipFill>
-        <p:spPr>
-          <a:xfrm>
-            <a:off x="4672427" y="274363"/>
-            <a:ext cx="6957897" cy="3461553"/>
-          </a:xfrm>
-          <a:prstGeom prst="rect">
-            <a:avLst/>
-          </a:prstGeom>
-        </p:spPr>
-      </p:pic>
       <p:sp>
         <p:nvSpPr>
           <p:cNvPr id="6" name="Rectangle: Rounded Corners 5">
@@ -14062,23 +14714,7 @@
                   <a:schemeClr val="tx1"/>
                 </a:solidFill>
               </a:rPr>
-              <a:t>We identified and imputed missing values using iterative imputer with </a:t>
-            </a:r>
-            <a:r>
-              <a:rPr lang="en-US" sz="1500" dirty="0" err="1">
-                <a:solidFill>
-                  <a:schemeClr val="tx1"/>
-                </a:solidFill>
-              </a:rPr>
-              <a:t>ExtraTreesRegressor</a:t>
-            </a:r>
-            <a:r>
-              <a:rPr lang="en-US" sz="1500" dirty="0">
-                <a:solidFill>
-                  <a:schemeClr val="tx1"/>
-                </a:solidFill>
-              </a:rPr>
-              <a:t>.</a:t>
+              <a:t>We identified and imputed missing values using iterative imputer with Lasso Regressor.</a:t>
             </a:r>
           </a:p>
           <a:p>
@@ -14164,13 +14800,13 @@
             <a:avLst/>
           </a:prstGeom>
           <a:blipFill dpi="0" rotWithShape="1">
-            <a:blip r:embed="rId5">
+            <a:blip r:embed="rId4">
               <a:alphaModFix amt="85000"/>
               <a:lum bright="70000" contrast="-70000"/>
               <a:extLst>
                 <a:ext uri="{BEBA8EAE-BF5A-486C-A8C5-ECC9F3942E4B}">
                   <a14:imgProps xmlns:a14="http://schemas.microsoft.com/office/drawing/2010/main">
-                    <a14:imgLayer r:embed="rId6">
+                    <a14:imgLayer r:embed="rId5">
                       <a14:imgEffect>
                         <a14:sharpenSoften amount="61000"/>
                       </a14:imgEffect>
@@ -14372,6 +15008,66 @@
           </a:p>
         </p:txBody>
       </p:sp>
+      <p:pic>
+        <p:nvPicPr>
+          <p:cNvPr id="3" name="Picture 6" descr="Chart, histogram&#10;&#10;Description automatically generated">
+            <a:extLst>
+              <a:ext uri="{FF2B5EF4-FFF2-40B4-BE49-F238E27FC236}">
+                <a16:creationId xmlns:a16="http://schemas.microsoft.com/office/drawing/2014/main" id="{DEAFF341-12D4-42E9-81F1-A8CDF16765C3}"/>
+              </a:ext>
+            </a:extLst>
+          </p:cNvPr>
+          <p:cNvPicPr>
+            <a:picLocks noChangeAspect="1"/>
+          </p:cNvPicPr>
+          <p:nvPr/>
+        </p:nvPicPr>
+        <p:blipFill>
+          <a:blip r:embed="rId7"/>
+          <a:stretch>
+            <a:fillRect/>
+          </a:stretch>
+        </p:blipFill>
+        <p:spPr>
+          <a:xfrm>
+            <a:off x="4918" y="53358"/>
+            <a:ext cx="6073876" cy="3568092"/>
+          </a:xfrm>
+          <a:prstGeom prst="rect">
+            <a:avLst/>
+          </a:prstGeom>
+        </p:spPr>
+      </p:pic>
+      <p:pic>
+        <p:nvPicPr>
+          <p:cNvPr id="7" name="Picture 7" descr="Chart, histogram&#10;&#10;Description automatically generated">
+            <a:extLst>
+              <a:ext uri="{FF2B5EF4-FFF2-40B4-BE49-F238E27FC236}">
+                <a16:creationId xmlns:a16="http://schemas.microsoft.com/office/drawing/2014/main" id="{66727E1F-E8F0-4CCF-9780-DF68DFA82AA1}"/>
+              </a:ext>
+            </a:extLst>
+          </p:cNvPr>
+          <p:cNvPicPr>
+            <a:picLocks noChangeAspect="1"/>
+          </p:cNvPicPr>
+          <p:nvPr/>
+        </p:nvPicPr>
+        <p:blipFill>
+          <a:blip r:embed="rId8"/>
+          <a:stretch>
+            <a:fillRect/>
+          </a:stretch>
+        </p:blipFill>
+        <p:spPr>
+          <a:xfrm>
+            <a:off x="4982497" y="47669"/>
+            <a:ext cx="6639232" cy="3640919"/>
+          </a:xfrm>
+          <a:prstGeom prst="rect">
+            <a:avLst/>
+          </a:prstGeom>
+        </p:spPr>
+      </p:pic>
     </p:spTree>
     <p:extLst>
       <p:ext uri="{BB962C8B-B14F-4D97-AF65-F5344CB8AC3E}">
@@ -14929,8 +15625,8 @@
           </a:fontRef>
         </p:style>
         <p:txBody>
-          <a:bodyPr vert="horz" lIns="91440" tIns="45720" rIns="91440" bIns="45720" rtlCol="0">
-            <a:normAutofit/>
+          <a:bodyPr vert="horz" lIns="91440" tIns="45720" rIns="91440" bIns="45720" rtlCol="0" anchor="t">
+            <a:normAutofit lnSpcReduction="10000"/>
           </a:bodyPr>
           <a:lstStyle/>
           <a:p>
@@ -14977,12 +15673,12 @@
               <a:buChar char="§"/>
             </a:pPr>
             <a:r>
-              <a:rPr lang="en-US" sz="1400" dirty="0">
+              <a:rPr lang="en-US" sz="1400">
                 <a:solidFill>
                   <a:schemeClr val="tx1"/>
                 </a:solidFill>
               </a:rPr>
-              <a:t>URL</a:t>
+              <a:t> URL</a:t>
             </a:r>
           </a:p>
           <a:p>
@@ -15003,12 +15699,12 @@
               <a:buChar char="§"/>
             </a:pPr>
             <a:r>
-              <a:rPr lang="en-US" sz="1400" dirty="0">
+              <a:rPr lang="en-US" sz="1400">
                 <a:solidFill>
                   <a:schemeClr val="tx1"/>
                 </a:solidFill>
               </a:rPr>
-              <a:t>ID</a:t>
+              <a:t> ID</a:t>
             </a:r>
           </a:p>
           <a:p>
@@ -15029,12 +15725,12 @@
               <a:buChar char="§"/>
             </a:pPr>
             <a:r>
-              <a:rPr lang="en-US" sz="1400" dirty="0" err="1">
+              <a:rPr lang="en-US" sz="1400">
                 <a:solidFill>
                   <a:schemeClr val="tx1"/>
                 </a:solidFill>
               </a:rPr>
-              <a:t>Image_URL</a:t>
+              <a:t> Image_URL </a:t>
             </a:r>
             <a:endParaRPr lang="en-US" sz="1400" dirty="0">
               <a:solidFill>
@@ -15060,12 +15756,12 @@
               <a:buChar char="§"/>
             </a:pPr>
             <a:r>
-              <a:rPr lang="en-US" sz="1400" dirty="0">
+              <a:rPr lang="en-US" sz="1400">
                 <a:solidFill>
                   <a:schemeClr val="tx1"/>
                 </a:solidFill>
               </a:rPr>
-              <a:t>Description</a:t>
+              <a:t> Description</a:t>
             </a:r>
           </a:p>
           <a:p>
@@ -15086,18 +15782,13 @@
               <a:buChar char="§"/>
             </a:pPr>
             <a:r>
-              <a:rPr lang="en-US" sz="1400" dirty="0" err="1">
+              <a:rPr lang="en-US" sz="1400">
                 <a:solidFill>
                   <a:schemeClr val="tx1"/>
                 </a:solidFill>
               </a:rPr>
-              <a:t>Region_URL</a:t>
+              <a:t> Region_URL</a:t>
             </a:r>
-            <a:endParaRPr lang="en-US" sz="1400" dirty="0">
-              <a:solidFill>
-                <a:schemeClr val="tx1"/>
-              </a:solidFill>
-            </a:endParaRPr>
           </a:p>
           <a:p>
             <a:pPr marL="742950" lvl="1" defTabSz="914400">
@@ -15117,12 +15808,12 @@
               <a:buChar char="§"/>
             </a:pPr>
             <a:r>
-              <a:rPr lang="en-US" sz="1400" dirty="0">
+              <a:rPr lang="en-US" sz="1400">
                 <a:solidFill>
                   <a:schemeClr val="tx1"/>
                 </a:solidFill>
               </a:rPr>
-              <a:t> VIN </a:t>
+              <a:t> VIN </a:t>
             </a:r>
           </a:p>
           <a:p>
@@ -15150,6 +15841,35 @@
               </a:rPr>
               <a:t>These features do not have any correlation with the price of the car and may not contribute towards making the price prediction</a:t>
             </a:r>
+          </a:p>
+          <a:p>
+            <a:pPr marL="285750" indent="-182880" defTabSz="914400">
+              <a:lnSpc>
+                <a:spcPct val="110000"/>
+              </a:lnSpc>
+              <a:spcAft>
+                <a:spcPts val="600"/>
+              </a:spcAft>
+              <a:buClr>
+                <a:srgbClr val="9E3611"/>
+              </a:buClr>
+              <a:buSzPct val="85000"/>
+              <a:buFont typeface="Wingdings" pitchFamily="2" charset="2"/>
+              <a:buChar char="§"/>
+            </a:pPr>
+            <a:r>
+              <a:rPr lang="en-US" sz="1400">
+                <a:solidFill>
+                  <a:schemeClr val="tx1"/>
+                </a:solidFill>
+              </a:rPr>
+              <a:t>We also removed "state" feature as it has small correlation with target variable.</a:t>
+            </a:r>
+            <a:endParaRPr lang="en-US" sz="1400" dirty="0">
+              <a:solidFill>
+                <a:schemeClr val="tx1"/>
+              </a:solidFill>
+            </a:endParaRPr>
           </a:p>
           <a:p>
             <a:pPr marL="285750" indent="-182880" defTabSz="914400">
